--- a/SupportingFiles/ArchitectureM5.pptx
+++ b/SupportingFiles/ArchitectureM5.pptx
@@ -3926,6 +3926,9 @@
           <a:prstGeom prst="rect">
             <a:avLst/>
           </a:prstGeom>
+          <a:solidFill>
+            <a:srgbClr val="FFFF00"/>
+          </a:solidFill>
         </p:spPr>
         <p:style>
           <a:lnRef idx="2">
@@ -3949,12 +3952,12 @@
           <a:p>
             <a:pPr algn="ctr"/>
             <a:r>
-              <a:rPr lang="en-US" sz="1200" dirty="0"/>
-              <a:t>JenaBasedDialogModelProcessor</a:t>
-            </a:r>
-            <a:r>
-              <a:rPr lang="en-US" sz="1200" baseline="30000" dirty="0"/>
-              <a:t>3</a:t>
+              <a:rPr lang="en-US" sz="1000" dirty="0">
+                <a:solidFill>
+                  <a:schemeClr val="tx1"/>
+                </a:solidFill>
+              </a:rPr>
+              <a:t>JenaBasedDialogModelProcessor3</a:t>
             </a:r>
           </a:p>
         </p:txBody>
@@ -3973,12 +3976,15 @@
         </p:nvSpPr>
         <p:spPr>
           <a:xfrm>
-            <a:off x="7941532" y="430645"/>
-            <a:ext cx="838200" cy="685800"/>
+            <a:off x="7884056" y="430645"/>
+            <a:ext cx="895676" cy="685800"/>
           </a:xfrm>
           <a:prstGeom prst="can">
             <a:avLst/>
           </a:prstGeom>
+          <a:solidFill>
+            <a:srgbClr val="FFFF00"/>
+          </a:solidFill>
         </p:spPr>
         <p:style>
           <a:lnRef idx="2">
@@ -4002,7 +4008,11 @@
           <a:p>
             <a:pPr algn="ctr"/>
             <a:r>
-              <a:rPr lang="en-US" sz="1100" dirty="0"/>
+              <a:rPr lang="en-US" sz="1200" dirty="0">
+                <a:solidFill>
+                  <a:schemeClr val="tx1"/>
+                </a:solidFill>
+              </a:rPr>
               <a:t>Knowledge Graph</a:t>
             </a:r>
           </a:p>
@@ -4147,7 +4157,7 @@
         </p:nvSpPr>
         <p:spPr>
           <a:xfrm>
-            <a:off x="4735930" y="5188476"/>
+            <a:off x="2203239" y="5171835"/>
             <a:ext cx="938786" cy="225092"/>
           </a:xfrm>
           <a:prstGeom prst="rect">
@@ -4177,7 +4187,7 @@
             <a:pPr algn="ctr"/>
             <a:r>
               <a:rPr lang="en-US" sz="1000" dirty="0"/>
-              <a:t>Implemented</a:t>
+              <a:t>UI (Eclipse)</a:t>
             </a:r>
             <a:endParaRPr lang="en-US" sz="1000" baseline="30000" dirty="0"/>
           </a:p>
@@ -4234,7 +4244,7 @@
                   <a:schemeClr val="tx1"/>
                 </a:solidFill>
               </a:rPr>
-              <a:t>Partially Implemented</a:t>
+              <a:t>Backend</a:t>
             </a:r>
             <a:endParaRPr lang="en-US" sz="1000" baseline="30000" dirty="0">
               <a:solidFill>
@@ -5006,7 +5016,7 @@
         <p:spPr>
           <a:xfrm flipV="1">
             <a:off x="7547185" y="1116445"/>
-            <a:ext cx="813447" cy="1239710"/>
+            <a:ext cx="784709" cy="1239710"/>
           </a:xfrm>
           <a:prstGeom prst="straightConnector1">
             <a:avLst/>
@@ -5617,11 +5627,14 @@
         <p:spPr>
           <a:xfrm>
             <a:off x="7813960" y="4784551"/>
-            <a:ext cx="838200" cy="778049"/>
+            <a:ext cx="961902" cy="857482"/>
           </a:xfrm>
           <a:prstGeom prst="can">
             <a:avLst/>
           </a:prstGeom>
+          <a:solidFill>
+            <a:srgbClr val="FFFF00"/>
+          </a:solidFill>
         </p:spPr>
         <p:style>
           <a:lnRef idx="2">
@@ -5645,7 +5658,11 @@
           <a:p>
             <a:pPr algn="ctr"/>
             <a:r>
-              <a:rPr lang="en-US" sz="1100" dirty="0"/>
+              <a:rPr lang="en-US" sz="1200" dirty="0">
+                <a:solidFill>
+                  <a:schemeClr val="tx1"/>
+                </a:solidFill>
+              </a:rPr>
               <a:t>Code Extraction Meta-Model</a:t>
             </a:r>
           </a:p>
@@ -5773,7 +5790,7 @@
         <p:spPr>
           <a:xfrm>
             <a:off x="6947319" y="4086280"/>
-            <a:ext cx="866641" cy="1087296"/>
+            <a:ext cx="866641" cy="1127012"/>
           </a:xfrm>
           <a:prstGeom prst="straightConnector1">
             <a:avLst/>
